--- a/Praesentation.pptx
+++ b/Praesentation.pptx
@@ -940,43 +940,6 @@
         </a:p>
       </dgm:t>
     </dgm:pt>
-    <dgm:pt modelId="{9BB3DF7F-F263-444B-83FF-8FE21E47B94B}">
-      <dgm:prSet/>
-      <dgm:spPr/>
-      <dgm:t>
-        <a:bodyPr/>
-        <a:lstStyle/>
-        <a:p>
-          <a:r>
-            <a:rPr lang="de-DE"/>
-            <a:t>Stoptime &gt; Starttime</a:t>
-          </a:r>
-          <a:endParaRPr lang="en-US"/>
-        </a:p>
-      </dgm:t>
-    </dgm:pt>
-    <dgm:pt modelId="{43E1E1ED-EF1C-4DD1-B8B1-9D7F109D1CF4}" type="parTrans" cxnId="{4582B08C-E0FE-4097-8DF5-9E87ACF207A6}">
-      <dgm:prSet/>
-      <dgm:spPr/>
-      <dgm:t>
-        <a:bodyPr/>
-        <a:lstStyle/>
-        <a:p>
-          <a:endParaRPr lang="en-US"/>
-        </a:p>
-      </dgm:t>
-    </dgm:pt>
-    <dgm:pt modelId="{068CB073-6874-4764-A3DE-7104EF2D1BC9}" type="sibTrans" cxnId="{4582B08C-E0FE-4097-8DF5-9E87ACF207A6}">
-      <dgm:prSet/>
-      <dgm:spPr/>
-      <dgm:t>
-        <a:bodyPr/>
-        <a:lstStyle/>
-        <a:p>
-          <a:endParaRPr lang="en-US"/>
-        </a:p>
-      </dgm:t>
-    </dgm:pt>
     <dgm:pt modelId="{2B17E729-E709-4871-98B7-7D686862AA15}">
       <dgm:prSet/>
       <dgm:spPr/>
@@ -1035,11 +998,11 @@
       <dgm:spPr/>
     </dgm:pt>
     <dgm:pt modelId="{095DA340-507B-4B8F-B651-9EE76A0FDB30}" type="pres">
-      <dgm:prSet presAssocID="{4E0294C9-082F-4AB7-9743-73CA7E7B8C68}" presName="background" presStyleLbl="node0" presStyleIdx="0" presStyleCnt="3"/>
+      <dgm:prSet presAssocID="{4E0294C9-082F-4AB7-9743-73CA7E7B8C68}" presName="background" presStyleLbl="node0" presStyleIdx="0" presStyleCnt="2"/>
       <dgm:spPr/>
     </dgm:pt>
     <dgm:pt modelId="{2C90375A-4FBC-44AF-826A-C96022EADA4B}" type="pres">
-      <dgm:prSet presAssocID="{4E0294C9-082F-4AB7-9743-73CA7E7B8C68}" presName="text" presStyleLbl="fgAcc0" presStyleIdx="0" presStyleCnt="3">
+      <dgm:prSet presAssocID="{4E0294C9-082F-4AB7-9743-73CA7E7B8C68}" presName="text" presStyleLbl="fgAcc0" presStyleIdx="0" presStyleCnt="2">
         <dgm:presLayoutVars>
           <dgm:chPref val="3"/>
         </dgm:presLayoutVars>
@@ -1048,30 +1011,6 @@
     </dgm:pt>
     <dgm:pt modelId="{02D271AF-A600-404F-8EE7-9201AB7BFC8A}" type="pres">
       <dgm:prSet presAssocID="{4E0294C9-082F-4AB7-9743-73CA7E7B8C68}" presName="hierChild2" presStyleCnt="0"/>
-      <dgm:spPr/>
-    </dgm:pt>
-    <dgm:pt modelId="{E4A95ECC-7523-4696-AB45-2072436D760A}" type="pres">
-      <dgm:prSet presAssocID="{9BB3DF7F-F263-444B-83FF-8FE21E47B94B}" presName="hierRoot1" presStyleCnt="0"/>
-      <dgm:spPr/>
-    </dgm:pt>
-    <dgm:pt modelId="{BC653BF6-4B07-42C4-9D6C-27848F9867DE}" type="pres">
-      <dgm:prSet presAssocID="{9BB3DF7F-F263-444B-83FF-8FE21E47B94B}" presName="composite" presStyleCnt="0"/>
-      <dgm:spPr/>
-    </dgm:pt>
-    <dgm:pt modelId="{4AD82BE1-FDF5-41C1-B511-2690A7EE22FC}" type="pres">
-      <dgm:prSet presAssocID="{9BB3DF7F-F263-444B-83FF-8FE21E47B94B}" presName="background" presStyleLbl="node0" presStyleIdx="1" presStyleCnt="3"/>
-      <dgm:spPr/>
-    </dgm:pt>
-    <dgm:pt modelId="{35694683-6A8B-4AA1-9513-C2E259066B93}" type="pres">
-      <dgm:prSet presAssocID="{9BB3DF7F-F263-444B-83FF-8FE21E47B94B}" presName="text" presStyleLbl="fgAcc0" presStyleIdx="1" presStyleCnt="3">
-        <dgm:presLayoutVars>
-          <dgm:chPref val="3"/>
-        </dgm:presLayoutVars>
-      </dgm:prSet>
-      <dgm:spPr/>
-    </dgm:pt>
-    <dgm:pt modelId="{398F6F08-AE21-460B-84AB-646F39D1A6F3}" type="pres">
-      <dgm:prSet presAssocID="{9BB3DF7F-F263-444B-83FF-8FE21E47B94B}" presName="hierChild2" presStyleCnt="0"/>
       <dgm:spPr/>
     </dgm:pt>
     <dgm:pt modelId="{66C2A53C-C02C-40ED-8AED-8E20062D0EF4}" type="pres">
@@ -1083,11 +1022,11 @@
       <dgm:spPr/>
     </dgm:pt>
     <dgm:pt modelId="{BB21B709-ECF8-4208-A446-045F21CA867A}" type="pres">
-      <dgm:prSet presAssocID="{2B17E729-E709-4871-98B7-7D686862AA15}" presName="background" presStyleLbl="node0" presStyleIdx="2" presStyleCnt="3"/>
+      <dgm:prSet presAssocID="{2B17E729-E709-4871-98B7-7D686862AA15}" presName="background" presStyleLbl="node0" presStyleIdx="1" presStyleCnt="2"/>
       <dgm:spPr/>
     </dgm:pt>
     <dgm:pt modelId="{0F10A983-5D78-44ED-B720-5F6D39463597}" type="pres">
-      <dgm:prSet presAssocID="{2B17E729-E709-4871-98B7-7D686862AA15}" presName="text" presStyleLbl="fgAcc0" presStyleIdx="2" presStyleCnt="3">
+      <dgm:prSet presAssocID="{2B17E729-E709-4871-98B7-7D686862AA15}" presName="text" presStyleLbl="fgAcc0" presStyleIdx="1" presStyleCnt="2">
         <dgm:presLayoutVars>
           <dgm:chPref val="3"/>
         </dgm:presLayoutVars>
@@ -1101,23 +1040,16 @@
   </dgm:ptLst>
   <dgm:cxnLst>
     <dgm:cxn modelId="{DB363D0F-E9BB-4010-A91F-016A6942417E}" type="presOf" srcId="{2B17E729-E709-4871-98B7-7D686862AA15}" destId="{0F10A983-5D78-44ED-B720-5F6D39463597}" srcOrd="0" destOrd="0" presId="urn:microsoft.com/office/officeart/2005/8/layout/hierarchy1"/>
-    <dgm:cxn modelId="{8881421F-144A-492A-B450-785374A3E146}" srcId="{0E4A7FAA-BBC9-4E55-94AB-1ECA52888D61}" destId="{2B17E729-E709-4871-98B7-7D686862AA15}" srcOrd="2" destOrd="0" parTransId="{1AC50E24-FAB9-4220-8072-452FBEFDD4C0}" sibTransId="{DB3A3EA0-4B7A-4E0D-9283-4BE8D4D34018}"/>
+    <dgm:cxn modelId="{8881421F-144A-492A-B450-785374A3E146}" srcId="{0E4A7FAA-BBC9-4E55-94AB-1ECA52888D61}" destId="{2B17E729-E709-4871-98B7-7D686862AA15}" srcOrd="1" destOrd="0" parTransId="{1AC50E24-FAB9-4220-8072-452FBEFDD4C0}" sibTransId="{DB3A3EA0-4B7A-4E0D-9283-4BE8D4D34018}"/>
     <dgm:cxn modelId="{66DB457A-40B2-4A77-ADF3-E4B54A410AF0}" srcId="{0E4A7FAA-BBC9-4E55-94AB-1ECA52888D61}" destId="{4E0294C9-082F-4AB7-9743-73CA7E7B8C68}" srcOrd="0" destOrd="0" parTransId="{3CB00094-BF98-4F50-8633-D6DAB8B305CB}" sibTransId="{3B4C8031-308F-4571-86D3-132E3FD05DFD}"/>
-    <dgm:cxn modelId="{4582B08C-E0FE-4097-8DF5-9E87ACF207A6}" srcId="{0E4A7FAA-BBC9-4E55-94AB-1ECA52888D61}" destId="{9BB3DF7F-F263-444B-83FF-8FE21E47B94B}" srcOrd="1" destOrd="0" parTransId="{43E1E1ED-EF1C-4DD1-B8B1-9D7F109D1CF4}" sibTransId="{068CB073-6874-4764-A3DE-7104EF2D1BC9}"/>
     <dgm:cxn modelId="{5B858C9A-8EFB-43C1-A5FC-D1F037FE8B59}" type="presOf" srcId="{0E4A7FAA-BBC9-4E55-94AB-1ECA52888D61}" destId="{D735BD85-E619-4E8F-9806-1DFCA871FBCB}" srcOrd="0" destOrd="0" presId="urn:microsoft.com/office/officeart/2005/8/layout/hierarchy1"/>
     <dgm:cxn modelId="{57B263AF-5347-4EA5-A928-A018FABEEB2C}" type="presOf" srcId="{4E0294C9-082F-4AB7-9743-73CA7E7B8C68}" destId="{2C90375A-4FBC-44AF-826A-C96022EADA4B}" srcOrd="0" destOrd="0" presId="urn:microsoft.com/office/officeart/2005/8/layout/hierarchy1"/>
-    <dgm:cxn modelId="{C58F1CDF-DED0-4724-B1E1-4843014D3245}" type="presOf" srcId="{9BB3DF7F-F263-444B-83FF-8FE21E47B94B}" destId="{35694683-6A8B-4AA1-9513-C2E259066B93}" srcOrd="0" destOrd="0" presId="urn:microsoft.com/office/officeart/2005/8/layout/hierarchy1"/>
     <dgm:cxn modelId="{EEA3D224-05FF-4595-8F95-6BE1A980C561}" type="presParOf" srcId="{D735BD85-E619-4E8F-9806-1DFCA871FBCB}" destId="{98EDC1F3-98F3-49B3-8437-57696EEE26E3}" srcOrd="0" destOrd="0" presId="urn:microsoft.com/office/officeart/2005/8/layout/hierarchy1"/>
     <dgm:cxn modelId="{0FF4714E-9B2B-43C5-A70B-C484876F6C9D}" type="presParOf" srcId="{98EDC1F3-98F3-49B3-8437-57696EEE26E3}" destId="{C632AB04-F083-4D1D-9815-A29B6316ED01}" srcOrd="0" destOrd="0" presId="urn:microsoft.com/office/officeart/2005/8/layout/hierarchy1"/>
     <dgm:cxn modelId="{81629E71-082C-4AA7-96C5-C170FB55BC37}" type="presParOf" srcId="{C632AB04-F083-4D1D-9815-A29B6316ED01}" destId="{095DA340-507B-4B8F-B651-9EE76A0FDB30}" srcOrd="0" destOrd="0" presId="urn:microsoft.com/office/officeart/2005/8/layout/hierarchy1"/>
     <dgm:cxn modelId="{DA5EC93D-C30C-4CBB-9946-005B6E06EB8D}" type="presParOf" srcId="{C632AB04-F083-4D1D-9815-A29B6316ED01}" destId="{2C90375A-4FBC-44AF-826A-C96022EADA4B}" srcOrd="1" destOrd="0" presId="urn:microsoft.com/office/officeart/2005/8/layout/hierarchy1"/>
     <dgm:cxn modelId="{222FA7E8-1D17-41C0-AF72-9D19D0BCDC65}" type="presParOf" srcId="{98EDC1F3-98F3-49B3-8437-57696EEE26E3}" destId="{02D271AF-A600-404F-8EE7-9201AB7BFC8A}" srcOrd="1" destOrd="0" presId="urn:microsoft.com/office/officeart/2005/8/layout/hierarchy1"/>
-    <dgm:cxn modelId="{C912B37C-08B2-48F2-BD13-5F60EC2D50E1}" type="presParOf" srcId="{D735BD85-E619-4E8F-9806-1DFCA871FBCB}" destId="{E4A95ECC-7523-4696-AB45-2072436D760A}" srcOrd="1" destOrd="0" presId="urn:microsoft.com/office/officeart/2005/8/layout/hierarchy1"/>
-    <dgm:cxn modelId="{39750F1E-8EF4-474F-A063-8153D14B0F37}" type="presParOf" srcId="{E4A95ECC-7523-4696-AB45-2072436D760A}" destId="{BC653BF6-4B07-42C4-9D6C-27848F9867DE}" srcOrd="0" destOrd="0" presId="urn:microsoft.com/office/officeart/2005/8/layout/hierarchy1"/>
-    <dgm:cxn modelId="{7DB2A660-3AF3-4107-956C-19B0908B45EC}" type="presParOf" srcId="{BC653BF6-4B07-42C4-9D6C-27848F9867DE}" destId="{4AD82BE1-FDF5-41C1-B511-2690A7EE22FC}" srcOrd="0" destOrd="0" presId="urn:microsoft.com/office/officeart/2005/8/layout/hierarchy1"/>
-    <dgm:cxn modelId="{6CA8E57B-6C2A-4C9F-B49A-AE071D4C8CF3}" type="presParOf" srcId="{BC653BF6-4B07-42C4-9D6C-27848F9867DE}" destId="{35694683-6A8B-4AA1-9513-C2E259066B93}" srcOrd="1" destOrd="0" presId="urn:microsoft.com/office/officeart/2005/8/layout/hierarchy1"/>
-    <dgm:cxn modelId="{11B5ED21-9714-4B66-85BF-86A1E35BC842}" type="presParOf" srcId="{E4A95ECC-7523-4696-AB45-2072436D760A}" destId="{398F6F08-AE21-460B-84AB-646F39D1A6F3}" srcOrd="1" destOrd="0" presId="urn:microsoft.com/office/officeart/2005/8/layout/hierarchy1"/>
-    <dgm:cxn modelId="{9C02D157-0EDD-4E67-9F92-77CAB4BF792B}" type="presParOf" srcId="{D735BD85-E619-4E8F-9806-1DFCA871FBCB}" destId="{66C2A53C-C02C-40ED-8AED-8E20062D0EF4}" srcOrd="2" destOrd="0" presId="urn:microsoft.com/office/officeart/2005/8/layout/hierarchy1"/>
+    <dgm:cxn modelId="{9C02D157-0EDD-4E67-9F92-77CAB4BF792B}" type="presParOf" srcId="{D735BD85-E619-4E8F-9806-1DFCA871FBCB}" destId="{66C2A53C-C02C-40ED-8AED-8E20062D0EF4}" srcOrd="1" destOrd="0" presId="urn:microsoft.com/office/officeart/2005/8/layout/hierarchy1"/>
     <dgm:cxn modelId="{BAA6C0B1-055C-40E9-A465-4E76DC2774A0}" type="presParOf" srcId="{66C2A53C-C02C-40ED-8AED-8E20062D0EF4}" destId="{6CB35221-BD9F-49F0-B71B-C2AAA1050292}" srcOrd="0" destOrd="0" presId="urn:microsoft.com/office/officeart/2005/8/layout/hierarchy1"/>
     <dgm:cxn modelId="{56146ED7-29D1-4520-B929-152536B3D3E9}" type="presParOf" srcId="{6CB35221-BD9F-49F0-B71B-C2AAA1050292}" destId="{BB21B709-ECF8-4208-A446-045F21CA867A}" srcOrd="0" destOrd="0" presId="urn:microsoft.com/office/officeart/2005/8/layout/hierarchy1"/>
     <dgm:cxn modelId="{C7C726E1-367F-4C95-A010-B825D948B84E}" type="presParOf" srcId="{6CB35221-BD9F-49F0-B71B-C2AAA1050292}" destId="{0F10A983-5D78-44ED-B720-5F6D39463597}" srcOrd="1" destOrd="0" presId="urn:microsoft.com/office/officeart/2005/8/layout/hierarchy1"/>
@@ -1148,8 +1080,8 @@
       </dsp:nvSpPr>
       <dsp:spPr>
         <a:xfrm>
-          <a:off x="0" y="877323"/>
-          <a:ext cx="2828924" cy="1796367"/>
+          <a:off x="1227" y="329029"/>
+          <a:ext cx="4309690" cy="2736653"/>
         </a:xfrm>
         <a:prstGeom prst="roundRect">
           <a:avLst>
@@ -1199,8 +1131,8 @@
       </dsp:nvSpPr>
       <dsp:spPr>
         <a:xfrm>
-          <a:off x="314325" y="1175932"/>
-          <a:ext cx="2828924" cy="1796367"/>
+          <a:off x="480082" y="783941"/>
+          <a:ext cx="4309690" cy="2736653"/>
         </a:xfrm>
         <a:prstGeom prst="roundRect">
           <a:avLst>
@@ -1242,12 +1174,12 @@
         <a:fontRef idx="minor"/>
       </dsp:style>
       <dsp:txBody>
-        <a:bodyPr spcFirstLastPara="0" vert="horz" wrap="square" lIns="129540" tIns="129540" rIns="129540" bIns="129540" numCol="1" spcCol="1270" anchor="ctr" anchorCtr="0">
+        <a:bodyPr spcFirstLastPara="0" vert="horz" wrap="square" lIns="194310" tIns="194310" rIns="194310" bIns="194310" numCol="1" spcCol="1270" anchor="ctr" anchorCtr="0">
           <a:noAutofit/>
         </a:bodyPr>
         <a:lstStyle/>
         <a:p>
-          <a:pPr marL="0" lvl="0" indent="0" algn="ctr" defTabSz="1511300">
+          <a:pPr marL="0" lvl="0" indent="0" algn="ctr" defTabSz="2266950">
             <a:lnSpc>
               <a:spcPct val="90000"/>
             </a:lnSpc>
@@ -1260,145 +1192,15 @@
             <a:buNone/>
           </a:pPr>
           <a:r>
-            <a:rPr lang="de-DE" sz="3400" kern="1200"/>
+            <a:rPr lang="de-DE" sz="5100" kern="1200"/>
             <a:t>Tripduration &gt; 0</a:t>
           </a:r>
-          <a:endParaRPr lang="en-US" sz="3400" kern="1200"/>
+          <a:endParaRPr lang="en-US" sz="5100" kern="1200"/>
         </a:p>
       </dsp:txBody>
       <dsp:txXfrm>
-        <a:off x="366939" y="1228546"/>
-        <a:ext cx="2723696" cy="1691139"/>
-      </dsp:txXfrm>
-    </dsp:sp>
-    <dsp:sp modelId="{4AD82BE1-FDF5-41C1-B511-2690A7EE22FC}">
-      <dsp:nvSpPr>
-        <dsp:cNvPr id="0" name=""/>
-        <dsp:cNvSpPr/>
-      </dsp:nvSpPr>
-      <dsp:spPr>
-        <a:xfrm>
-          <a:off x="3457574" y="877323"/>
-          <a:ext cx="2828924" cy="1796367"/>
-        </a:xfrm>
-        <a:prstGeom prst="roundRect">
-          <a:avLst>
-            <a:gd name="adj" fmla="val 10000"/>
-          </a:avLst>
-        </a:prstGeom>
-        <a:solidFill>
-          <a:schemeClr val="accent1">
-            <a:hueOff val="0"/>
-            <a:satOff val="0"/>
-            <a:lumOff val="0"/>
-            <a:alphaOff val="0"/>
-          </a:schemeClr>
-        </a:solidFill>
-        <a:ln w="19050" cap="flat" cmpd="sng" algn="ctr">
-          <a:solidFill>
-            <a:schemeClr val="lt1">
-              <a:hueOff val="0"/>
-              <a:satOff val="0"/>
-              <a:lumOff val="0"/>
-              <a:alphaOff val="0"/>
-            </a:schemeClr>
-          </a:solidFill>
-          <a:prstDash val="solid"/>
-        </a:ln>
-        <a:effectLst/>
-      </dsp:spPr>
-      <dsp:style>
-        <a:lnRef idx="3">
-          <a:scrgbClr r="0" g="0" b="0"/>
-        </a:lnRef>
-        <a:fillRef idx="1">
-          <a:scrgbClr r="0" g="0" b="0"/>
-        </a:fillRef>
-        <a:effectRef idx="1">
-          <a:scrgbClr r="0" g="0" b="0"/>
-        </a:effectRef>
-        <a:fontRef idx="minor">
-          <a:schemeClr val="lt1"/>
-        </a:fontRef>
-      </dsp:style>
-    </dsp:sp>
-    <dsp:sp modelId="{35694683-6A8B-4AA1-9513-C2E259066B93}">
-      <dsp:nvSpPr>
-        <dsp:cNvPr id="0" name=""/>
-        <dsp:cNvSpPr/>
-      </dsp:nvSpPr>
-      <dsp:spPr>
-        <a:xfrm>
-          <a:off x="3771899" y="1175932"/>
-          <a:ext cx="2828924" cy="1796367"/>
-        </a:xfrm>
-        <a:prstGeom prst="roundRect">
-          <a:avLst>
-            <a:gd name="adj" fmla="val 10000"/>
-          </a:avLst>
-        </a:prstGeom>
-        <a:solidFill>
-          <a:schemeClr val="lt1">
-            <a:alpha val="90000"/>
-            <a:hueOff val="0"/>
-            <a:satOff val="0"/>
-            <a:lumOff val="0"/>
-            <a:alphaOff val="0"/>
-          </a:schemeClr>
-        </a:solidFill>
-        <a:ln w="12700" cap="flat" cmpd="sng" algn="ctr">
-          <a:solidFill>
-            <a:schemeClr val="accent1">
-              <a:hueOff val="0"/>
-              <a:satOff val="0"/>
-              <a:lumOff val="0"/>
-              <a:alphaOff val="0"/>
-            </a:schemeClr>
-          </a:solidFill>
-          <a:prstDash val="solid"/>
-        </a:ln>
-        <a:effectLst/>
-      </dsp:spPr>
-      <dsp:style>
-        <a:lnRef idx="2">
-          <a:scrgbClr r="0" g="0" b="0"/>
-        </a:lnRef>
-        <a:fillRef idx="1">
-          <a:scrgbClr r="0" g="0" b="0"/>
-        </a:fillRef>
-        <a:effectRef idx="0">
-          <a:scrgbClr r="0" g="0" b="0"/>
-        </a:effectRef>
-        <a:fontRef idx="minor"/>
-      </dsp:style>
-      <dsp:txBody>
-        <a:bodyPr spcFirstLastPara="0" vert="horz" wrap="square" lIns="129540" tIns="129540" rIns="129540" bIns="129540" numCol="1" spcCol="1270" anchor="ctr" anchorCtr="0">
-          <a:noAutofit/>
-        </a:bodyPr>
-        <a:lstStyle/>
-        <a:p>
-          <a:pPr marL="0" lvl="0" indent="0" algn="ctr" defTabSz="1511300">
-            <a:lnSpc>
-              <a:spcPct val="90000"/>
-            </a:lnSpc>
-            <a:spcBef>
-              <a:spcPct val="0"/>
-            </a:spcBef>
-            <a:spcAft>
-              <a:spcPct val="35000"/>
-            </a:spcAft>
-            <a:buNone/>
-          </a:pPr>
-          <a:r>
-            <a:rPr lang="de-DE" sz="3400" kern="1200"/>
-            <a:t>Stoptime &gt; Starttime</a:t>
-          </a:r>
-          <a:endParaRPr lang="en-US" sz="3400" kern="1200"/>
-        </a:p>
-      </dsp:txBody>
-      <dsp:txXfrm>
-        <a:off x="3824513" y="1228546"/>
-        <a:ext cx="2723696" cy="1691139"/>
+        <a:off x="560236" y="864095"/>
+        <a:ext cx="4149382" cy="2576345"/>
       </dsp:txXfrm>
     </dsp:sp>
     <dsp:sp modelId="{BB21B709-ECF8-4208-A446-045F21CA867A}">
@@ -1408,8 +1210,8 @@
       </dsp:nvSpPr>
       <dsp:spPr>
         <a:xfrm>
-          <a:off x="6915149" y="877323"/>
-          <a:ext cx="2828924" cy="1796367"/>
+          <a:off x="5268627" y="329029"/>
+          <a:ext cx="4309690" cy="2736653"/>
         </a:xfrm>
         <a:prstGeom prst="roundRect">
           <a:avLst>
@@ -1459,8 +1261,8 @@
       </dsp:nvSpPr>
       <dsp:spPr>
         <a:xfrm>
-          <a:off x="7229475" y="1175932"/>
-          <a:ext cx="2828924" cy="1796367"/>
+          <a:off x="5747481" y="783941"/>
+          <a:ext cx="4309690" cy="2736653"/>
         </a:xfrm>
         <a:prstGeom prst="roundRect">
           <a:avLst>
@@ -1502,12 +1304,12 @@
         <a:fontRef idx="minor"/>
       </dsp:style>
       <dsp:txBody>
-        <a:bodyPr spcFirstLastPara="0" vert="horz" wrap="square" lIns="129540" tIns="129540" rIns="129540" bIns="129540" numCol="1" spcCol="1270" anchor="ctr" anchorCtr="0">
+        <a:bodyPr spcFirstLastPara="0" vert="horz" wrap="square" lIns="194310" tIns="194310" rIns="194310" bIns="194310" numCol="1" spcCol="1270" anchor="ctr" anchorCtr="0">
           <a:noAutofit/>
         </a:bodyPr>
         <a:lstStyle/>
         <a:p>
-          <a:pPr marL="0" lvl="0" indent="0" algn="ctr" defTabSz="1511300">
+          <a:pPr marL="0" lvl="0" indent="0" algn="ctr" defTabSz="2266950">
             <a:lnSpc>
               <a:spcPct val="90000"/>
             </a:lnSpc>
@@ -1520,15 +1322,15 @@
             <a:buNone/>
           </a:pPr>
           <a:r>
-            <a:rPr lang="de-DE" sz="3400" kern="1200"/>
+            <a:rPr lang="de-DE" sz="5100" kern="1200"/>
             <a:t>Gender != 0</a:t>
           </a:r>
-          <a:endParaRPr lang="en-US" sz="3400" kern="1200"/>
+          <a:endParaRPr lang="en-US" sz="5100" kern="1200"/>
         </a:p>
       </dsp:txBody>
       <dsp:txXfrm>
-        <a:off x="7282089" y="1228546"/>
-        <a:ext cx="2723696" cy="1691139"/>
+        <a:off x="5827635" y="864095"/>
+        <a:ext cx="4149382" cy="2576345"/>
       </dsp:txXfrm>
     </dsp:sp>
   </dsp:spTree>
@@ -3216,7 +3018,7 @@
             <a:pPr rtl="0"/>
             <a:fld id="{56DADB92-5A40-4548-A046-8AEB98C0DD04}" type="datetime1">
               <a:rPr lang="de-DE" smtClean="0"/>
-              <a:t>29.11.2021</a:t>
+              <a:t>06.12.2021</a:t>
             </a:fld>
             <a:endParaRPr lang="en-US" dirty="0"/>
           </a:p>
@@ -3386,7 +3188,7 @@
             <a:pPr rtl="0"/>
             <a:fld id="{EF940F88-494A-4E01-94D4-AE1E94A94A13}" type="datetime1">
               <a:rPr lang="de-DE" smtClean="0"/>
-              <a:t>29.11.2021</a:t>
+              <a:t>06.12.2021</a:t>
             </a:fld>
             <a:endParaRPr lang="en-US"/>
           </a:p>
@@ -4131,7 +3933,7 @@
             <a:pPr rtl="0"/>
             <a:fld id="{A300BC7A-40BD-4995-A1E1-D110562E1CAF}" type="datetime1">
               <a:rPr lang="de-DE" smtClean="0"/>
-              <a:t>29.11.2021</a:t>
+              <a:t>06.12.2021</a:t>
             </a:fld>
             <a:endParaRPr lang="en-US" dirty="0"/>
           </a:p>
@@ -4337,7 +4139,7 @@
             <a:pPr rtl="0"/>
             <a:fld id="{22E67CFE-7EBA-4741-B861-ECB9C16040ED}" type="datetime1">
               <a:rPr lang="de-DE" smtClean="0"/>
-              <a:t>29.11.2021</a:t>
+              <a:t>06.12.2021</a:t>
             </a:fld>
             <a:endParaRPr lang="en-US"/>
           </a:p>
@@ -4521,7 +4323,7 @@
             <a:pPr rtl="0"/>
             <a:fld id="{1F8D19ED-1661-49DB-ABA8-9D40E25065BC}" type="datetime1">
               <a:rPr lang="de-DE" smtClean="0"/>
-              <a:t>29.11.2021</a:t>
+              <a:t>06.12.2021</a:t>
             </a:fld>
             <a:endParaRPr lang="en-US"/>
           </a:p>
@@ -4695,7 +4497,7 @@
             <a:pPr rtl="0"/>
             <a:fld id="{FB7C0C16-5521-4517-AFDE-676F786A1296}" type="datetime1">
               <a:rPr lang="de-DE" smtClean="0"/>
-              <a:t>29.11.2021</a:t>
+              <a:t>06.12.2021</a:t>
             </a:fld>
             <a:endParaRPr lang="en-US"/>
           </a:p>
@@ -5298,7 +5100,7 @@
             <a:pPr rtl="0"/>
             <a:fld id="{D2E29C69-043E-4C13-9AB0-9F83C784042E}" type="datetime1">
               <a:rPr lang="de-DE" smtClean="0"/>
-              <a:t>29.11.2021</a:t>
+              <a:t>06.12.2021</a:t>
             </a:fld>
             <a:endParaRPr lang="en-US" dirty="0"/>
           </a:p>
@@ -5622,7 +5424,7 @@
             <a:pPr rtl="0"/>
             <a:fld id="{3749D4E4-B5C3-4E44-B86B-E426DECF8177}" type="datetime1">
               <a:rPr lang="de-DE" smtClean="0"/>
-              <a:t>29.11.2021</a:t>
+              <a:t>06.12.2021</a:t>
             </a:fld>
             <a:endParaRPr lang="en-US"/>
           </a:p>
@@ -6063,7 +5865,7 @@
             <a:pPr rtl="0"/>
             <a:fld id="{424063BC-01CA-4504-9E02-5CE33589BDD7}" type="datetime1">
               <a:rPr lang="de-DE" smtClean="0"/>
-              <a:t>29.11.2021</a:t>
+              <a:t>06.12.2021</a:t>
             </a:fld>
             <a:endParaRPr lang="en-US"/>
           </a:p>
@@ -6185,7 +5987,7 @@
             <a:pPr rtl="0"/>
             <a:fld id="{39FD4553-CB32-4C01-936B-782A1F0D4534}" type="datetime1">
               <a:rPr lang="de-DE" smtClean="0"/>
-              <a:t>29.11.2021</a:t>
+              <a:t>06.12.2021</a:t>
             </a:fld>
             <a:endParaRPr lang="en-US"/>
           </a:p>
@@ -6283,7 +6085,7 @@
             <a:pPr rtl="0"/>
             <a:fld id="{10BE4C6E-AE98-44D9-9539-7D07295E3F62}" type="datetime1">
               <a:rPr lang="de-DE" smtClean="0"/>
-              <a:t>29.11.2021</a:t>
+              <a:t>06.12.2021</a:t>
             </a:fld>
             <a:endParaRPr lang="en-US"/>
           </a:p>
@@ -6704,7 +6506,7 @@
             <a:pPr rtl="0"/>
             <a:fld id="{0BED7F17-BB87-4D21-B0B9-FC3CEC7BA3BA}" type="datetime1">
               <a:rPr lang="de-DE" smtClean="0"/>
-              <a:t>29.11.2021</a:t>
+              <a:t>06.12.2021</a:t>
             </a:fld>
             <a:endParaRPr lang="en-US"/>
           </a:p>
@@ -6969,7 +6771,7 @@
             <a:pPr rtl="0"/>
             <a:fld id="{5CE950D3-0446-4476-9960-01D89E840E5D}" type="datetime1">
               <a:rPr lang="de-DE" smtClean="0"/>
-              <a:t>29.11.2021</a:t>
+              <a:t>06.12.2021</a:t>
             </a:fld>
             <a:endParaRPr lang="en-US" dirty="0"/>
           </a:p>
@@ -7489,7 +7291,7 @@
             <a:pPr rtl="0"/>
             <a:fld id="{36B4A689-DE7A-460E-9036-381728EAF560}" type="datetime1">
               <a:rPr lang="de-DE" smtClean="0"/>
-              <a:t>29.11.2021</a:t>
+              <a:t>06.12.2021</a:t>
             </a:fld>
             <a:endParaRPr lang="en-US" dirty="0"/>
           </a:p>
@@ -8171,7 +7973,7 @@
                   <a:schemeClr val="tx1"/>
                 </a:solidFill>
               </a:rPr>
-              <a:t>Patrick Wickenkamp</a:t>
+              <a:t>Patrick Wickenkamp – 2828360</a:t>
             </a:r>
           </a:p>
         </p:txBody>
@@ -8870,7 +8672,7 @@
             <a:pPr rtl="0"/>
             <a:fld id="{FB7C0C16-5521-4517-AFDE-676F786A1296}" type="datetime1">
               <a:rPr lang="de-DE" smtClean="0"/>
-              <a:t>29.11.2021</a:t>
+              <a:t>06.12.2021</a:t>
             </a:fld>
             <a:endParaRPr lang="en-US"/>
           </a:p>
@@ -8950,7 +8752,7 @@
             <p:ph sz="half" idx="1"/>
             <p:extLst>
               <p:ext uri="{D42A27DB-BD31-4B8C-83A1-F6EECF244321}">
-                <p14:modId xmlns:p14="http://schemas.microsoft.com/office/powerpoint/2010/main" val="1872019397"/>
+                <p14:modId xmlns:p14="http://schemas.microsoft.com/office/powerpoint/2010/main" val="113515604"/>
               </p:ext>
             </p:extLst>
           </p:nvPr>
@@ -9274,14 +9076,14 @@
                       <a:r>
                         <a:rPr lang="de-DE" dirty="0" err="1">
                           <a:solidFill>
-                            <a:srgbClr val="C00000"/>
+                            <a:srgbClr val="57903F"/>
                           </a:solidFill>
                         </a:rPr>
                         <a:t>tripdistance</a:t>
                       </a:r>
                       <a:endParaRPr lang="de-DE" dirty="0">
                         <a:solidFill>
-                          <a:srgbClr val="C00000"/>
+                          <a:srgbClr val="57903F"/>
                         </a:solidFill>
                       </a:endParaRPr>
                     </a:p>
@@ -9486,7 +9288,7 @@
             <a:pPr rtl="0"/>
             <a:fld id="{FB7C0C16-5521-4517-AFDE-676F786A1296}" type="datetime1">
               <a:rPr lang="de-DE" smtClean="0"/>
-              <a:t>29.11.2021</a:t>
+              <a:t>06.12.2021</a:t>
             </a:fld>
             <a:endParaRPr lang="en-US"/>
           </a:p>
@@ -10122,7 +9924,7 @@
             <a:pPr rtl="0"/>
             <a:fld id="{FB7C0C16-5521-4517-AFDE-676F786A1296}" type="datetime1">
               <a:rPr lang="de-DE" smtClean="0"/>
-              <a:t>29.11.2021</a:t>
+              <a:t>06.12.2021</a:t>
             </a:fld>
             <a:endParaRPr lang="en-US"/>
           </a:p>
@@ -10774,7 +10576,7 @@
             <a:pPr rtl="0"/>
             <a:fld id="{FB7C0C16-5521-4517-AFDE-676F786A1296}" type="datetime1">
               <a:rPr lang="de-DE" smtClean="0"/>
-              <a:t>29.11.2021</a:t>
+              <a:t>06.12.2021</a:t>
             </a:fld>
             <a:endParaRPr lang="en-US"/>
           </a:p>
@@ -11438,7 +11240,7 @@
             <a:pPr rtl="0"/>
             <a:fld id="{FB7C0C16-5521-4517-AFDE-676F786A1296}" type="datetime1">
               <a:rPr lang="de-DE" smtClean="0"/>
-              <a:t>29.11.2021</a:t>
+              <a:t>06.12.2021</a:t>
             </a:fld>
             <a:endParaRPr lang="en-US"/>
           </a:p>
@@ -12142,7 +11944,7 @@
             <a:pPr rtl="0"/>
             <a:fld id="{FB7C0C16-5521-4517-AFDE-676F786A1296}" type="datetime1">
               <a:rPr lang="de-DE" smtClean="0"/>
-              <a:t>29.11.2021</a:t>
+              <a:t>06.12.2021</a:t>
             </a:fld>
             <a:endParaRPr lang="en-US"/>
           </a:p>
@@ -12830,7 +12632,7 @@
             <a:pPr rtl="0"/>
             <a:fld id="{FB7C0C16-5521-4517-AFDE-676F786A1296}" type="datetime1">
               <a:rPr lang="de-DE" smtClean="0"/>
-              <a:t>29.11.2021</a:t>
+              <a:t>06.12.2021</a:t>
             </a:fld>
             <a:endParaRPr lang="en-US"/>
           </a:p>
@@ -13534,7 +13336,7 @@
             <a:pPr rtl="0"/>
             <a:fld id="{FB7C0C16-5521-4517-AFDE-676F786A1296}" type="datetime1">
               <a:rPr lang="de-DE" smtClean="0"/>
-              <a:t>29.11.2021</a:t>
+              <a:t>06.12.2021</a:t>
             </a:fld>
             <a:endParaRPr lang="en-US"/>
           </a:p>
@@ -13614,7 +13416,7 @@
             <p:ph sz="half" idx="1"/>
             <p:extLst>
               <p:ext uri="{D42A27DB-BD31-4B8C-83A1-F6EECF244321}">
-                <p14:modId xmlns:p14="http://schemas.microsoft.com/office/powerpoint/2010/main" val="3658626794"/>
+                <p14:modId xmlns:p14="http://schemas.microsoft.com/office/powerpoint/2010/main" val="269990333"/>
               </p:ext>
             </p:extLst>
           </p:nvPr>
@@ -13780,14 +13582,14 @@
                       <a:r>
                         <a:rPr lang="de-DE" dirty="0" err="1">
                           <a:solidFill>
-                            <a:srgbClr val="C00000"/>
+                            <a:srgbClr val="57903F"/>
                           </a:solidFill>
                         </a:rPr>
                         <a:t>timeslot</a:t>
                       </a:r>
                       <a:endParaRPr lang="de-DE" dirty="0">
                         <a:solidFill>
-                          <a:srgbClr val="C00000"/>
+                          <a:srgbClr val="57903F"/>
                         </a:solidFill>
                       </a:endParaRPr>
                     </a:p>
@@ -14243,7 +14045,7 @@
             <a:pPr rtl="0"/>
             <a:fld id="{FB7C0C16-5521-4517-AFDE-676F786A1296}" type="datetime1">
               <a:rPr lang="de-DE" smtClean="0"/>
-              <a:t>29.11.2021</a:t>
+              <a:t>06.12.2021</a:t>
             </a:fld>
             <a:endParaRPr lang="en-US"/>
           </a:p>
@@ -14944,7 +14746,7 @@
             <a:pPr rtl="0"/>
             <a:fld id="{FB7C0C16-5521-4517-AFDE-676F786A1296}" type="datetime1">
               <a:rPr lang="de-DE" smtClean="0"/>
-              <a:t>29.11.2021</a:t>
+              <a:t>06.12.2021</a:t>
             </a:fld>
             <a:endParaRPr lang="en-US"/>
           </a:p>
@@ -15049,34 +14851,7 @@
               <a:rPr lang="de-DE" dirty="0" err="1"/>
               <a:t>Kaggle</a:t>
             </a:r>
-            <a:r>
-              <a:rPr lang="de-DE" dirty="0"/>
-              <a:t> (</a:t>
-            </a:r>
-            <a:r>
-              <a:rPr lang="de-DE" dirty="0" err="1"/>
-              <a:t>pip</a:t>
-            </a:r>
-            <a:r>
-              <a:rPr lang="de-DE" dirty="0"/>
-              <a:t> </a:t>
-            </a:r>
-            <a:r>
-              <a:rPr lang="de-DE" dirty="0" err="1"/>
-              <a:t>install</a:t>
-            </a:r>
-            <a:r>
-              <a:rPr lang="de-DE" dirty="0"/>
-              <a:t> </a:t>
-            </a:r>
-            <a:r>
-              <a:rPr lang="de-DE" dirty="0" err="1"/>
-              <a:t>kaggle</a:t>
-            </a:r>
-            <a:r>
-              <a:rPr lang="de-DE" dirty="0"/>
-              <a:t>)</a:t>
-            </a:r>
+            <a:endParaRPr lang="de-DE" dirty="0"/>
           </a:p>
           <a:p>
             <a:endParaRPr lang="de-DE" dirty="0"/>
@@ -15116,7 +14891,7 @@
             <a:pPr rtl="0"/>
             <a:fld id="{FB7C0C16-5521-4517-AFDE-676F786A1296}" type="datetime1">
               <a:rPr lang="de-DE" smtClean="0"/>
-              <a:t>29.11.2021</a:t>
+              <a:t>06.12.2021</a:t>
             </a:fld>
             <a:endParaRPr lang="en-US"/>
           </a:p>
@@ -15227,7 +15002,7 @@
                   <a:spcPts val="600"/>
                 </a:spcAft>
               </a:pPr>
-              <a:t>29.11.2021</a:t>
+              <a:t>06.12.2021</a:t>
             </a:fld>
             <a:endParaRPr lang="en-US"/>
           </a:p>
@@ -15249,7 +15024,7 @@
             <p:ph idx="1"/>
             <p:extLst>
               <p:ext uri="{D42A27DB-BD31-4B8C-83A1-F6EECF244321}">
-                <p14:modId xmlns:p14="http://schemas.microsoft.com/office/powerpoint/2010/main" val="2809072841"/>
+                <p14:modId xmlns:p14="http://schemas.microsoft.com/office/powerpoint/2010/main" val="1800098200"/>
               </p:ext>
             </p:extLst>
           </p:nvPr>
@@ -15383,7 +15158,7 @@
             <a:pPr rtl="0"/>
             <a:fld id="{FB7C0C16-5521-4517-AFDE-676F786A1296}" type="datetime1">
               <a:rPr lang="de-DE" smtClean="0"/>
-              <a:t>29.11.2021</a:t>
+              <a:t>06.12.2021</a:t>
             </a:fld>
             <a:endParaRPr lang="en-US" dirty="0"/>
           </a:p>
@@ -15521,7 +15296,7 @@
                   <a:spcPts val="600"/>
                 </a:spcAft>
               </a:pPr>
-              <a:t>29.11.2021</a:t>
+              <a:t>06.12.2021</a:t>
             </a:fld>
             <a:endParaRPr lang="en-US"/>
           </a:p>
@@ -15682,7 +15457,7 @@
             <a:pPr rtl="0"/>
             <a:fld id="{FB7C0C16-5521-4517-AFDE-676F786A1296}" type="datetime1">
               <a:rPr lang="de-DE" smtClean="0"/>
-              <a:t>29.11.2021</a:t>
+              <a:t>06.12.2021</a:t>
             </a:fld>
             <a:endParaRPr lang="en-US"/>
           </a:p>
@@ -16349,7 +16124,7 @@
             <a:pPr rtl="0"/>
             <a:fld id="{FB7C0C16-5521-4517-AFDE-676F786A1296}" type="datetime1">
               <a:rPr lang="de-DE" smtClean="0"/>
-              <a:t>29.11.2021</a:t>
+              <a:t>06.12.2021</a:t>
             </a:fld>
             <a:endParaRPr lang="en-US" dirty="0"/>
           </a:p>
@@ -16357,14 +16132,16 @@
       </p:sp>
       <p:pic>
         <p:nvPicPr>
-          <p:cNvPr id="7" name="Grafik 6">
+          <p:cNvPr id="5" name="Grafik 4">
             <a:extLst>
               <a:ext uri="{FF2B5EF4-FFF2-40B4-BE49-F238E27FC236}">
-                <a16:creationId xmlns:a16="http://schemas.microsoft.com/office/drawing/2014/main" id="{57AAF5AE-8E02-4B56-9817-C0366ED630FD}"/>
+                <a16:creationId xmlns:a16="http://schemas.microsoft.com/office/drawing/2014/main" id="{59CF84C7-F2EC-4D21-95AA-72711F5D352F}"/>
               </a:ext>
             </a:extLst>
           </p:cNvPr>
-          <p:cNvPicPr/>
+          <p:cNvPicPr>
+            <a:picLocks noChangeAspect="1"/>
+          </p:cNvPicPr>
           <p:nvPr/>
         </p:nvPicPr>
         <p:blipFill>
@@ -16375,36 +16152,8 @@
         </p:blipFill>
         <p:spPr>
           <a:xfrm>
-            <a:off x="1204653" y="2147801"/>
-            <a:ext cx="5410200" cy="800100"/>
-          </a:xfrm>
-          <a:prstGeom prst="rect">
-            <a:avLst/>
-          </a:prstGeom>
-        </p:spPr>
-      </p:pic>
-      <p:pic>
-        <p:nvPicPr>
-          <p:cNvPr id="8" name="Grafik 7">
-            <a:extLst>
-              <a:ext uri="{FF2B5EF4-FFF2-40B4-BE49-F238E27FC236}">
-                <a16:creationId xmlns:a16="http://schemas.microsoft.com/office/drawing/2014/main" id="{E65A3F82-D1E3-4E14-BB68-D48E6E97674C}"/>
-              </a:ext>
-            </a:extLst>
-          </p:cNvPr>
-          <p:cNvPicPr/>
-          <p:nvPr/>
-        </p:nvPicPr>
-        <p:blipFill>
-          <a:blip r:embed="rId3"/>
-          <a:stretch>
-            <a:fillRect/>
-          </a:stretch>
-        </p:blipFill>
-        <p:spPr>
-          <a:xfrm>
-            <a:off x="1204653" y="3081508"/>
-            <a:ext cx="5760720" cy="622300"/>
+            <a:off x="4868315" y="1424940"/>
+            <a:ext cx="1653783" cy="4600178"/>
           </a:xfrm>
           <a:prstGeom prst="rect">
             <a:avLst/>
@@ -16529,7 +16278,7 @@
             <a:pPr rtl="0"/>
             <a:fld id="{FB7C0C16-5521-4517-AFDE-676F786A1296}" type="datetime1">
               <a:rPr lang="de-DE" smtClean="0"/>
-              <a:t>29.11.2021</a:t>
+              <a:t>06.12.2021</a:t>
             </a:fld>
             <a:endParaRPr lang="en-US" dirty="0"/>
           </a:p>
@@ -16685,7 +16434,7 @@
             <a:pPr rtl="0"/>
             <a:fld id="{FB7C0C16-5521-4517-AFDE-676F786A1296}" type="datetime1">
               <a:rPr lang="de-DE" smtClean="0"/>
-              <a:t>29.11.2021</a:t>
+              <a:t>06.12.2021</a:t>
             </a:fld>
             <a:endParaRPr lang="en-US" dirty="0"/>
           </a:p>
@@ -16835,7 +16584,7 @@
             <a:pPr rtl="0"/>
             <a:fld id="{FB7C0C16-5521-4517-AFDE-676F786A1296}" type="datetime1">
               <a:rPr lang="de-DE" smtClean="0"/>
-              <a:t>29.11.2021</a:t>
+              <a:t>06.12.2021</a:t>
             </a:fld>
             <a:endParaRPr lang="en-US" dirty="0"/>
           </a:p>
@@ -16989,7 +16738,7 @@
             <a:pPr rtl="0"/>
             <a:fld id="{FB7C0C16-5521-4517-AFDE-676F786A1296}" type="datetime1">
               <a:rPr lang="de-DE" smtClean="0"/>
-              <a:t>29.11.2021</a:t>
+              <a:t>06.12.2021</a:t>
             </a:fld>
             <a:endParaRPr lang="en-US" dirty="0"/>
           </a:p>
@@ -17657,7 +17406,7 @@
             <a:pPr rtl="0"/>
             <a:fld id="{FB7C0C16-5521-4517-AFDE-676F786A1296}" type="datetime1">
               <a:rPr lang="de-DE" smtClean="0"/>
-              <a:t>29.11.2021</a:t>
+              <a:t>06.12.2021</a:t>
             </a:fld>
             <a:endParaRPr lang="en-US"/>
           </a:p>
